--- a/week-9/gilliam-assignment-9.2.pptx
+++ b/week-9/gilliam-assignment-9.2.pptx
@@ -9,13 +9,11 @@
     <p:sldId id="264" r:id="rId3"/>
     <p:sldId id="266" r:id="rId4"/>
     <p:sldId id="267" r:id="rId5"/>
-    <p:sldId id="268" r:id="rId6"/>
-    <p:sldId id="269" r:id="rId7"/>
-    <p:sldId id="270" r:id="rId8"/>
-    <p:sldId id="271" r:id="rId9"/>
-    <p:sldId id="273" r:id="rId10"/>
-    <p:sldId id="274" r:id="rId11"/>
-    <p:sldId id="265" r:id="rId12"/>
+    <p:sldId id="269" r:id="rId6"/>
+    <p:sldId id="271" r:id="rId7"/>
+    <p:sldId id="273" r:id="rId8"/>
+    <p:sldId id="274" r:id="rId9"/>
+    <p:sldId id="265" r:id="rId10"/>
   </p:sldIdLst>
   <p:sldSz cx="12192000" cy="6858000"/>
   <p:notesSz cx="6858000" cy="9144000"/>
@@ -845,7 +843,7 @@
             <a:fld id="{B61BEF0D-F0BB-DE4B-95CE-6DB70DBA9567}" type="datetimeFigureOut">
               <a:rPr lang="en-US" dirty="0"/>
               <a:pPr/>
-              <a:t>12/3/19</a:t>
+              <a:t>12/13/19</a:t>
             </a:fld>
             <a:endParaRPr lang="en-US" dirty="0"/>
           </a:p>
@@ -1093,7 +1091,7 @@
             <a:fld id="{B61BEF0D-F0BB-DE4B-95CE-6DB70DBA9567}" type="datetimeFigureOut">
               <a:rPr lang="en-US" dirty="0"/>
               <a:pPr/>
-              <a:t>12/3/19</a:t>
+              <a:t>12/13/19</a:t>
             </a:fld>
             <a:endParaRPr lang="en-US" dirty="0"/>
           </a:p>
@@ -1404,7 +1402,7 @@
             <a:fld id="{B61BEF0D-F0BB-DE4B-95CE-6DB70DBA9567}" type="datetimeFigureOut">
               <a:rPr lang="en-US" dirty="0"/>
               <a:pPr/>
-              <a:t>12/3/19</a:t>
+              <a:t>12/13/19</a:t>
             </a:fld>
             <a:endParaRPr lang="en-US" dirty="0"/>
           </a:p>
@@ -1742,7 +1740,7 @@
             <a:fld id="{B61BEF0D-F0BB-DE4B-95CE-6DB70DBA9567}" type="datetimeFigureOut">
               <a:rPr lang="en-US" dirty="0"/>
               <a:pPr/>
-              <a:t>12/3/19</a:t>
+              <a:t>12/13/19</a:t>
             </a:fld>
             <a:endParaRPr lang="en-US" dirty="0"/>
           </a:p>
@@ -2053,7 +2051,7 @@
             <a:fld id="{B61BEF0D-F0BB-DE4B-95CE-6DB70DBA9567}" type="datetimeFigureOut">
               <a:rPr lang="en-US" dirty="0"/>
               <a:pPr/>
-              <a:t>12/3/19</a:t>
+              <a:t>12/13/19</a:t>
             </a:fld>
             <a:endParaRPr lang="en-US" dirty="0"/>
           </a:p>
@@ -2443,7 +2441,7 @@
             <a:fld id="{B61BEF0D-F0BB-DE4B-95CE-6DB70DBA9567}" type="datetimeFigureOut">
               <a:rPr lang="en-US" dirty="0"/>
               <a:pPr/>
-              <a:t>12/3/19</a:t>
+              <a:t>12/13/19</a:t>
             </a:fld>
             <a:endParaRPr lang="en-US" dirty="0"/>
           </a:p>
@@ -2609,7 +2607,7 @@
           <a:p>
             <a:fld id="{55C6B4A9-1611-4792-9094-5F34BCA07E0B}" type="datetimeFigureOut">
               <a:rPr lang="en-US" dirty="0"/>
-              <a:t>12/3/19</a:t>
+              <a:t>12/13/19</a:t>
             </a:fld>
             <a:endParaRPr lang="en-US" dirty="0"/>
           </a:p>
@@ -2785,7 +2783,7 @@
             <a:fld id="{B61BEF0D-F0BB-DE4B-95CE-6DB70DBA9567}" type="datetimeFigureOut">
               <a:rPr lang="en-US" dirty="0"/>
               <a:pPr/>
-              <a:t>12/3/19</a:t>
+              <a:t>12/13/19</a:t>
             </a:fld>
             <a:endParaRPr lang="en-US" dirty="0"/>
           </a:p>
@@ -2958,7 +2956,7 @@
             <a:fld id="{B61BEF0D-F0BB-DE4B-95CE-6DB70DBA9567}" type="datetimeFigureOut">
               <a:rPr lang="en-US" dirty="0"/>
               <a:pPr/>
-              <a:t>12/3/19</a:t>
+              <a:t>12/13/19</a:t>
             </a:fld>
             <a:endParaRPr lang="en-US" dirty="0"/>
           </a:p>
@@ -3202,7 +3200,7 @@
             <a:fld id="{B61BEF0D-F0BB-DE4B-95CE-6DB70DBA9567}" type="datetimeFigureOut">
               <a:rPr lang="en-US" dirty="0"/>
               <a:pPr/>
-              <a:t>12/3/19</a:t>
+              <a:t>12/13/19</a:t>
             </a:fld>
             <a:endParaRPr lang="en-US" dirty="0"/>
           </a:p>
@@ -3430,7 +3428,7 @@
           <a:p>
             <a:fld id="{EB712588-04B1-427B-82EE-E8DB90309F08}" type="datetimeFigureOut">
               <a:rPr lang="en-US" dirty="0"/>
-              <a:t>12/3/19</a:t>
+              <a:t>12/13/19</a:t>
             </a:fld>
             <a:endParaRPr lang="en-US" dirty="0"/>
           </a:p>
@@ -3800,7 +3798,7 @@
             <a:fld id="{B61BEF0D-F0BB-DE4B-95CE-6DB70DBA9567}" type="datetimeFigureOut">
               <a:rPr lang="en-US" dirty="0"/>
               <a:pPr/>
-              <a:t>12/3/19</a:t>
+              <a:t>12/13/19</a:t>
             </a:fld>
             <a:endParaRPr lang="en-US" dirty="0"/>
           </a:p>
@@ -3920,7 +3918,7 @@
             <a:fld id="{B61BEF0D-F0BB-DE4B-95CE-6DB70DBA9567}" type="datetimeFigureOut">
               <a:rPr lang="en-US" dirty="0"/>
               <a:pPr/>
-              <a:t>12/3/19</a:t>
+              <a:t>12/13/19</a:t>
             </a:fld>
             <a:endParaRPr lang="en-US" dirty="0"/>
           </a:p>
@@ -4012,7 +4010,7 @@
             <a:fld id="{B61BEF0D-F0BB-DE4B-95CE-6DB70DBA9567}" type="datetimeFigureOut">
               <a:rPr lang="en-US" dirty="0"/>
               <a:pPr/>
-              <a:t>12/3/19</a:t>
+              <a:t>12/13/19</a:t>
             </a:fld>
             <a:endParaRPr lang="en-US" dirty="0"/>
           </a:p>
@@ -4263,7 +4261,7 @@
           <a:p>
             <a:fld id="{42A54C80-263E-416B-A8E0-580EDEADCBDC}" type="datetimeFigureOut">
               <a:rPr lang="en-US" dirty="0"/>
-              <a:t>12/3/19</a:t>
+              <a:t>12/13/19</a:t>
             </a:fld>
             <a:endParaRPr lang="en-US" dirty="0"/>
           </a:p>
@@ -4522,7 +4520,7 @@
             <a:fld id="{B61BEF0D-F0BB-DE4B-95CE-6DB70DBA9567}" type="datetimeFigureOut">
               <a:rPr lang="en-US" dirty="0"/>
               <a:pPr/>
-              <a:t>12/3/19</a:t>
+              <a:t>12/13/19</a:t>
             </a:fld>
             <a:endParaRPr lang="en-US" dirty="0"/>
           </a:p>
@@ -5262,7 +5260,7 @@
             <a:fld id="{B61BEF0D-F0BB-DE4B-95CE-6DB70DBA9567}" type="datetimeFigureOut">
               <a:rPr lang="en-US" dirty="0"/>
               <a:pPr/>
-              <a:t>12/3/19</a:t>
+              <a:t>12/13/19</a:t>
             </a:fld>
             <a:endParaRPr lang="en-US" dirty="0"/>
           </a:p>
@@ -5851,340 +5849,6 @@
 </p:sld>
 </file>
 
-<file path=ppt/slides/slide10.xml><?xml version="1.0" encoding="utf-8"?>
-<p:sld xmlns:a="http://schemas.openxmlformats.org/drawingml/2006/main" xmlns:r="http://schemas.openxmlformats.org/officeDocument/2006/relationships" xmlns:p="http://schemas.openxmlformats.org/presentationml/2006/main">
-  <p:cSld>
-    <p:spTree>
-      <p:nvGrpSpPr>
-        <p:cNvPr id="1" name=""/>
-        <p:cNvGrpSpPr/>
-        <p:nvPr/>
-      </p:nvGrpSpPr>
-      <p:grpSpPr>
-        <a:xfrm>
-          <a:off x="0" y="0"/>
-          <a:ext cx="0" cy="0"/>
-          <a:chOff x="0" y="0"/>
-          <a:chExt cx="0" cy="0"/>
-        </a:xfrm>
-      </p:grpSpPr>
-      <p:sp>
-        <p:nvSpPr>
-          <p:cNvPr id="2" name="Title 1">
-            <a:extLst>
-              <a:ext uri="{FF2B5EF4-FFF2-40B4-BE49-F238E27FC236}">
-                <a16:creationId xmlns:a16="http://schemas.microsoft.com/office/drawing/2014/main" id="{1C040D87-EF20-4441-9980-DBCA3F73856A}"/>
-              </a:ext>
-            </a:extLst>
-          </p:cNvPr>
-          <p:cNvSpPr>
-            <a:spLocks noGrp="1"/>
-          </p:cNvSpPr>
-          <p:nvPr>
-            <p:ph type="title"/>
-          </p:nvPr>
-        </p:nvSpPr>
-        <p:spPr>
-          <a:xfrm>
-            <a:off x="677334" y="609600"/>
-            <a:ext cx="8596668" cy="646331"/>
-          </a:xfrm>
-        </p:spPr>
-        <p:txBody>
-          <a:bodyPr>
-            <a:spAutoFit/>
-          </a:bodyPr>
-          <a:lstStyle/>
-          <a:p>
-            <a:r>
-              <a:rPr lang="en-US" dirty="0"/>
-              <a:t>Open Authentication (OAuth)</a:t>
-            </a:r>
-          </a:p>
-        </p:txBody>
-      </p:sp>
-      <p:sp>
-        <p:nvSpPr>
-          <p:cNvPr id="3" name="Content Placeholder 2">
-            <a:extLst>
-              <a:ext uri="{FF2B5EF4-FFF2-40B4-BE49-F238E27FC236}">
-                <a16:creationId xmlns:a16="http://schemas.microsoft.com/office/drawing/2014/main" id="{4247CA33-D7C0-894F-A3C3-A16B2E36394F}"/>
-              </a:ext>
-            </a:extLst>
-          </p:cNvPr>
-          <p:cNvSpPr>
-            <a:spLocks noGrp="1"/>
-          </p:cNvSpPr>
-          <p:nvPr>
-            <p:ph idx="1"/>
-          </p:nvPr>
-        </p:nvSpPr>
-        <p:spPr>
-          <a:xfrm>
-            <a:off x="677334" y="1944546"/>
-            <a:ext cx="8596668" cy="4303853"/>
-          </a:xfrm>
-        </p:spPr>
-        <p:txBody>
-          <a:bodyPr>
-            <a:noAutofit/>
-          </a:bodyPr>
-          <a:lstStyle/>
-          <a:p>
-            <a:pPr marL="0" indent="0">
-              <a:buNone/>
-            </a:pPr>
-            <a:r>
-              <a:rPr lang="en-US" sz="2000" dirty="0"/>
-              <a:t>End to end data flow of an OAuth API</a:t>
-            </a:r>
-          </a:p>
-          <a:p>
-            <a:pPr marL="685800" lvl="1"/>
-            <a:r>
-              <a:rPr lang="en-US" sz="1800" dirty="0"/>
-              <a:t>The user approves a particular transaction type at the first website.</a:t>
-            </a:r>
-          </a:p>
-          <a:p>
-            <a:pPr marL="685800" lvl="1"/>
-            <a:r>
-              <a:rPr lang="en-US" sz="1800" dirty="0"/>
-              <a:t>The user is given an approved access token.</a:t>
-            </a:r>
-          </a:p>
-          <a:p>
-            <a:pPr marL="685800" lvl="1"/>
-            <a:r>
-              <a:rPr lang="en-US" sz="1800" dirty="0"/>
-              <a:t>The user gives the approved access token to the first website.</a:t>
-            </a:r>
-          </a:p>
-          <a:p>
-            <a:pPr marL="685800" lvl="1"/>
-            <a:r>
-              <a:rPr lang="en-US" sz="1800" dirty="0"/>
-              <a:t>The first website gives the access token to the second website as proof of authentication on behalf of the user.</a:t>
-            </a:r>
-          </a:p>
-          <a:p>
-            <a:pPr marL="685800" lvl="1"/>
-            <a:r>
-              <a:rPr lang="en-US" sz="1800" dirty="0"/>
-              <a:t>The second website lets the first website access their site on behalf of the user.</a:t>
-            </a:r>
-          </a:p>
-          <a:p>
-            <a:pPr marL="685800" lvl="1"/>
-            <a:r>
-              <a:rPr lang="en-US" sz="1800" dirty="0"/>
-              <a:t>The user sees a successfully completed transaction occurring.</a:t>
-            </a:r>
-          </a:p>
-          <a:p>
-            <a:pPr marL="685800" lvl="1"/>
-            <a:r>
-              <a:rPr lang="en-US" sz="1800" dirty="0"/>
-              <a:t>OAuth is not the first authentication/authorization system to work this way on behalf of the end-user.</a:t>
-            </a:r>
-          </a:p>
-        </p:txBody>
-      </p:sp>
-    </p:spTree>
-    <p:extLst>
-      <p:ext uri="{BB962C8B-B14F-4D97-AF65-F5344CB8AC3E}">
-        <p14:creationId xmlns:p14="http://schemas.microsoft.com/office/powerpoint/2010/main" val="4277027092"/>
-      </p:ext>
-    </p:extLst>
-  </p:cSld>
-  <p:clrMapOvr>
-    <a:masterClrMapping/>
-  </p:clrMapOvr>
-</p:sld>
-</file>
-
-<file path=ppt/slides/slide11.xml><?xml version="1.0" encoding="utf-8"?>
-<p:sld xmlns:a="http://schemas.openxmlformats.org/drawingml/2006/main" xmlns:r="http://schemas.openxmlformats.org/officeDocument/2006/relationships" xmlns:p="http://schemas.openxmlformats.org/presentationml/2006/main">
-  <p:cSld>
-    <p:spTree>
-      <p:nvGrpSpPr>
-        <p:cNvPr id="1" name=""/>
-        <p:cNvGrpSpPr/>
-        <p:nvPr/>
-      </p:nvGrpSpPr>
-      <p:grpSpPr>
-        <a:xfrm>
-          <a:off x="0" y="0"/>
-          <a:ext cx="0" cy="0"/>
-          <a:chOff x="0" y="0"/>
-          <a:chExt cx="0" cy="0"/>
-        </a:xfrm>
-      </p:grpSpPr>
-      <p:sp>
-        <p:nvSpPr>
-          <p:cNvPr id="2" name="Title 1">
-            <a:extLst>
-              <a:ext uri="{FF2B5EF4-FFF2-40B4-BE49-F238E27FC236}">
-                <a16:creationId xmlns:a16="http://schemas.microsoft.com/office/drawing/2014/main" id="{1C040D87-EF20-4441-9980-DBCA3F73856A}"/>
-              </a:ext>
-            </a:extLst>
-          </p:cNvPr>
-          <p:cNvSpPr>
-            <a:spLocks noGrp="1"/>
-          </p:cNvSpPr>
-          <p:nvPr>
-            <p:ph type="title"/>
-          </p:nvPr>
-        </p:nvSpPr>
-        <p:spPr>
-          <a:xfrm>
-            <a:off x="677334" y="609600"/>
-            <a:ext cx="8596668" cy="646331"/>
-          </a:xfrm>
-        </p:spPr>
-        <p:txBody>
-          <a:bodyPr>
-            <a:spAutoFit/>
-          </a:bodyPr>
-          <a:lstStyle/>
-          <a:p>
-            <a:r>
-              <a:rPr lang="en-US" dirty="0"/>
-              <a:t>References</a:t>
-            </a:r>
-          </a:p>
-        </p:txBody>
-      </p:sp>
-      <p:sp>
-        <p:nvSpPr>
-          <p:cNvPr id="3" name="Content Placeholder 2">
-            <a:extLst>
-              <a:ext uri="{FF2B5EF4-FFF2-40B4-BE49-F238E27FC236}">
-                <a16:creationId xmlns:a16="http://schemas.microsoft.com/office/drawing/2014/main" id="{4247CA33-D7C0-894F-A3C3-A16B2E36394F}"/>
-              </a:ext>
-            </a:extLst>
-          </p:cNvPr>
-          <p:cNvSpPr>
-            <a:spLocks noGrp="1"/>
-          </p:cNvSpPr>
-          <p:nvPr>
-            <p:ph idx="1"/>
-          </p:nvPr>
-        </p:nvSpPr>
-        <p:spPr>
-          <a:xfrm>
-            <a:off x="677333" y="1490871"/>
-            <a:ext cx="9492277" cy="4550492"/>
-          </a:xfrm>
-        </p:spPr>
-        <p:txBody>
-          <a:bodyPr>
-            <a:normAutofit/>
-          </a:bodyPr>
-          <a:lstStyle/>
-          <a:p>
-            <a:r>
-              <a:rPr lang="en-US" dirty="0"/>
-              <a:t>csoonline.com/article/3216404/what-is-oauth-how-the-open-authorization-framework-</a:t>
-            </a:r>
-            <a:r>
-              <a:rPr lang="en-US" dirty="0" err="1"/>
-              <a:t>works.html</a:t>
-            </a:r>
-            <a:endParaRPr lang="en-US" dirty="0"/>
-          </a:p>
-          <a:p>
-            <a:r>
-              <a:rPr lang="en-US" dirty="0" err="1"/>
-              <a:t>developer.okta.com</a:t>
-            </a:r>
-            <a:r>
-              <a:rPr lang="en-US" dirty="0"/>
-              <a:t>/blog/2017/06/21/what-the-heck-is-</a:t>
-            </a:r>
-            <a:r>
-              <a:rPr lang="en-US" dirty="0" err="1"/>
-              <a:t>oauth</a:t>
-            </a:r>
-            <a:endParaRPr lang="en-US" dirty="0"/>
-          </a:p>
-          <a:p>
-            <a:r>
-              <a:rPr lang="en-US" dirty="0" err="1"/>
-              <a:t>en.m.wikipedia.org</a:t>
-            </a:r>
-            <a:r>
-              <a:rPr lang="en-US" dirty="0"/>
-              <a:t>/wiki/OAuth</a:t>
-            </a:r>
-          </a:p>
-          <a:p>
-            <a:r>
-              <a:rPr lang="en-US" dirty="0" err="1"/>
-              <a:t>geeksforgeeks.org</a:t>
-            </a:r>
-            <a:r>
-              <a:rPr lang="en-US" dirty="0"/>
-              <a:t>/what-is-</a:t>
-            </a:r>
-            <a:r>
-              <a:rPr lang="en-US" dirty="0" err="1"/>
-              <a:t>oauth</a:t>
-            </a:r>
-            <a:r>
-              <a:rPr lang="en-US" dirty="0"/>
-              <a:t>-open-authorization/</a:t>
-            </a:r>
-          </a:p>
-          <a:p>
-            <a:r>
-              <a:rPr lang="en-US" dirty="0" err="1"/>
-              <a:t>quora.com</a:t>
-            </a:r>
-            <a:r>
-              <a:rPr lang="en-US" dirty="0"/>
-              <a:t>/Why-is-OAuth-so-popular</a:t>
-            </a:r>
-          </a:p>
-          <a:p>
-            <a:r>
-              <a:rPr lang="en-US" dirty="0" err="1"/>
-              <a:t>varonis.com</a:t>
-            </a:r>
-            <a:r>
-              <a:rPr lang="en-US" dirty="0"/>
-              <a:t>/blog/what-is-</a:t>
-            </a:r>
-            <a:r>
-              <a:rPr lang="en-US" dirty="0" err="1"/>
-              <a:t>oauth</a:t>
-            </a:r>
-            <a:r>
-              <a:rPr lang="en-US" dirty="0"/>
-              <a:t>/</a:t>
-            </a:r>
-          </a:p>
-          <a:p>
-            <a:endParaRPr lang="en-US" dirty="0"/>
-          </a:p>
-          <a:p>
-            <a:endParaRPr lang="en-US" dirty="0"/>
-          </a:p>
-        </p:txBody>
-      </p:sp>
-    </p:spTree>
-    <p:extLst>
-      <p:ext uri="{BB962C8B-B14F-4D97-AF65-F5344CB8AC3E}">
-        <p14:creationId xmlns:p14="http://schemas.microsoft.com/office/powerpoint/2010/main" val="3147850030"/>
-      </p:ext>
-    </p:extLst>
-  </p:cSld>
-  <p:clrMapOvr>
-    <a:masterClrMapping/>
-  </p:clrMapOvr>
-</p:sld>
-</file>
-
 <file path=ppt/slides/slide2.xml><?xml version="1.0" encoding="utf-8"?>
 <p:sld xmlns:a="http://schemas.openxmlformats.org/drawingml/2006/main" xmlns:r="http://schemas.openxmlformats.org/officeDocument/2006/relationships" xmlns:p="http://schemas.openxmlformats.org/presentationml/2006/main">
   <p:cSld>
@@ -6532,8 +6196,8 @@
         </p:nvSpPr>
         <p:spPr>
           <a:xfrm>
-            <a:off x="677334" y="1944546"/>
-            <a:ext cx="8596668" cy="4303853"/>
+            <a:off x="677333" y="1944546"/>
+            <a:ext cx="9005509" cy="4303853"/>
           </a:xfrm>
         </p:spPr>
         <p:txBody>
@@ -6551,11 +6215,122 @@
             </a:r>
           </a:p>
           <a:p>
-            <a:pPr marL="685800" lvl="1"/>
-            <a:r>
-              <a:rPr lang="en-US" sz="1800" dirty="0"/>
-              <a:t>OAuth scenarios almost always represent two unrelated sites or services trying to accomplish something on behalf of users or their software.</a:t>
-            </a:r>
+            <a:r>
+              <a:rPr lang="en-US" dirty="0"/>
+              <a:t>The </a:t>
+            </a:r>
+            <a:r>
+              <a:rPr lang="en-US" i="1" dirty="0"/>
+              <a:t>application</a:t>
+            </a:r>
+            <a:r>
+              <a:rPr lang="en-US" dirty="0"/>
+              <a:t> requests authorization to access service resources from the </a:t>
+            </a:r>
+            <a:r>
+              <a:rPr lang="en-US" i="1" dirty="0"/>
+              <a:t>user</a:t>
+            </a:r>
+            <a:endParaRPr lang="en-US" dirty="0"/>
+          </a:p>
+          <a:p>
+            <a:r>
+              <a:rPr lang="en-US" dirty="0"/>
+              <a:t>If the </a:t>
+            </a:r>
+            <a:r>
+              <a:rPr lang="en-US" i="1" dirty="0"/>
+              <a:t>user</a:t>
+            </a:r>
+            <a:r>
+              <a:rPr lang="en-US" dirty="0"/>
+              <a:t> authorized the request, the </a:t>
+            </a:r>
+            <a:r>
+              <a:rPr lang="en-US" i="1" dirty="0"/>
+              <a:t>application</a:t>
+            </a:r>
+            <a:r>
+              <a:rPr lang="en-US" dirty="0"/>
+              <a:t> receives an authorization grant</a:t>
+            </a:r>
+          </a:p>
+          <a:p>
+            <a:r>
+              <a:rPr lang="en-US" dirty="0"/>
+              <a:t>The </a:t>
+            </a:r>
+            <a:r>
+              <a:rPr lang="en-US" i="1" dirty="0"/>
+              <a:t>application</a:t>
+            </a:r>
+            <a:r>
+              <a:rPr lang="en-US" dirty="0"/>
+              <a:t> requests an access token from the </a:t>
+            </a:r>
+            <a:r>
+              <a:rPr lang="en-US" i="1" dirty="0"/>
+              <a:t>authorization server</a:t>
+            </a:r>
+            <a:r>
+              <a:rPr lang="en-US" dirty="0"/>
+              <a:t> (API) by presenting authentication of its own identity, and the authorization grant</a:t>
+            </a:r>
+          </a:p>
+          <a:p>
+            <a:r>
+              <a:rPr lang="en-US" dirty="0"/>
+              <a:t>If the application identity is authenticated and the authorization grant is valid, the </a:t>
+            </a:r>
+            <a:r>
+              <a:rPr lang="en-US" i="1" dirty="0"/>
+              <a:t>authorization server</a:t>
+            </a:r>
+            <a:r>
+              <a:rPr lang="en-US" dirty="0"/>
+              <a:t> (API) issues an access token to the application. Authorization is complete.</a:t>
+            </a:r>
+          </a:p>
+          <a:p>
+            <a:r>
+              <a:rPr lang="en-US" dirty="0"/>
+              <a:t>The </a:t>
+            </a:r>
+            <a:r>
+              <a:rPr lang="en-US" i="1" dirty="0"/>
+              <a:t>application</a:t>
+            </a:r>
+            <a:r>
+              <a:rPr lang="en-US" dirty="0"/>
+              <a:t> requests the resource from the </a:t>
+            </a:r>
+            <a:r>
+              <a:rPr lang="en-US" i="1" dirty="0"/>
+              <a:t>resource server</a:t>
+            </a:r>
+            <a:r>
+              <a:rPr lang="en-US" dirty="0"/>
+              <a:t> (API) and presents the access token for authentication</a:t>
+            </a:r>
+          </a:p>
+          <a:p>
+            <a:r>
+              <a:rPr lang="en-US" dirty="0"/>
+              <a:t>If the access token is valid, the </a:t>
+            </a:r>
+            <a:r>
+              <a:rPr lang="en-US" i="1" dirty="0"/>
+              <a:t>resource server</a:t>
+            </a:r>
+            <a:r>
+              <a:rPr lang="en-US" dirty="0"/>
+              <a:t> (API) serves the resource to the </a:t>
+            </a:r>
+            <a:r>
+              <a:rPr lang="en-US" i="1" dirty="0"/>
+              <a:t>application</a:t>
+            </a:r>
+            <a:endParaRPr lang="en-US" sz="1800" dirty="0"/>
           </a:p>
           <a:p>
             <a:pPr marL="685800" lvl="1"/>
@@ -6651,7 +6426,7 @@
         <p:spPr>
           <a:xfrm>
             <a:off x="677334" y="1944546"/>
-            <a:ext cx="8596668" cy="4303853"/>
+            <a:ext cx="9674980" cy="4303853"/>
           </a:xfrm>
         </p:spPr>
         <p:txBody>
@@ -6665,26 +6440,65 @@
             </a:pPr>
             <a:r>
               <a:rPr lang="en-US" sz="2000" dirty="0"/>
-              <a:t>How Dose OAuth Work</a:t>
+              <a:t>History of OAuth (1.0 versus 2.0)</a:t>
             </a:r>
           </a:p>
           <a:p>
             <a:pPr marL="685800" lvl="1"/>
             <a:r>
               <a:rPr lang="en-US" sz="1800" dirty="0"/>
-              <a:t>a</a:t>
+              <a:t>In 2006, Blaine Cook, Kellen Elliott-McCrea, Larry </a:t>
+            </a:r>
+            <a:r>
+              <a:rPr lang="en-US" sz="1800" dirty="0" err="1"/>
+              <a:t>Halff</a:t>
+            </a:r>
+            <a:r>
+              <a:rPr lang="en-US" sz="1800" dirty="0"/>
+              <a:t>, Tara Hunt, Ian McKeller, Chris Messina and others looking for a better authentication method. They concluded that a new open standard was called for.</a:t>
             </a:r>
           </a:p>
           <a:p>
             <a:pPr marL="685800" lvl="1"/>
-            <a:endParaRPr lang="en-US" sz="1800" dirty="0"/>
+            <a:r>
+              <a:rPr lang="en-US" sz="1800" dirty="0"/>
+              <a:t>The first public draft of OAuth was published on July 26, 2007.</a:t>
+            </a:r>
+          </a:p>
+          <a:p>
+            <a:pPr marL="685800" lvl="1"/>
+            <a:r>
+              <a:rPr lang="en-US" sz="1800" dirty="0"/>
+              <a:t>OAuth 1.0 was declared final on December 4, 2008 at the Internet Identity Workshop.</a:t>
+            </a:r>
+          </a:p>
+          <a:p>
+            <a:pPr marL="685800" lvl="1"/>
+            <a:r>
+              <a:rPr lang="en-US" sz="1800" dirty="0"/>
+              <a:t>On August 26, 2008, all the original contributors and employers executed the OAuth Non-Assert and License agreement, guaranteeing that the specification will continue to be freely available to all implementers.</a:t>
+            </a:r>
+          </a:p>
+          <a:p>
+            <a:pPr marL="685800" lvl="1"/>
+            <a:r>
+              <a:rPr lang="en-US" sz="1800" dirty="0"/>
+              <a:t>On March 9, 2009, Eran published the OAuth Core 1.0 Editor’s Cut edition</a:t>
+            </a:r>
+          </a:p>
+          <a:p>
+            <a:pPr marL="685800" lvl="1"/>
+            <a:r>
+              <a:rPr lang="en-US" sz="1800" dirty="0"/>
+              <a:t>On November 23, 2009, Eran Hammer proposed to drop work on a 1.1 revision and instead focus on a more significant 2.0 version</a:t>
+            </a:r>
           </a:p>
         </p:txBody>
       </p:sp>
     </p:spTree>
     <p:extLst>
       <p:ext uri="{BB962C8B-B14F-4D97-AF65-F5344CB8AC3E}">
-        <p14:creationId xmlns:p14="http://schemas.microsoft.com/office/powerpoint/2010/main" val="2368885263"/>
+        <p14:creationId xmlns:p14="http://schemas.microsoft.com/office/powerpoint/2010/main" val="3556771179"/>
       </p:ext>
     </p:extLst>
   </p:cSld>
@@ -6779,26 +6593,57 @@
             </a:pPr>
             <a:r>
               <a:rPr lang="en-US" sz="2000" dirty="0"/>
-              <a:t>History of OAuth (1.0 versus 2.0)</a:t>
+              <a:t>Why is OAuth Popular</a:t>
             </a:r>
           </a:p>
           <a:p>
             <a:pPr marL="685800" lvl="1"/>
             <a:r>
               <a:rPr lang="en-US" sz="1800" dirty="0"/>
-              <a:t>a</a:t>
+              <a:t>One of the main reasons it because it is backed by Twitter, Google,  Facebook, and other major internet companies.</a:t>
             </a:r>
           </a:p>
           <a:p>
             <a:pPr marL="685800" lvl="1"/>
-            <a:endParaRPr lang="en-US" sz="1800" dirty="0"/>
+            <a:r>
+              <a:rPr lang="en-US" sz="1800" dirty="0"/>
+              <a:t>OAuth was created as a response to the direct authentication pattern.</a:t>
+            </a:r>
+          </a:p>
+          <a:p>
+            <a:pPr marL="685800" lvl="1"/>
+            <a:r>
+              <a:rPr lang="en-US" sz="1800" dirty="0"/>
+              <a:t>It has the ease of usability coupled with improved security.</a:t>
+            </a:r>
+          </a:p>
+          <a:p>
+            <a:pPr marL="685800" lvl="1"/>
+            <a:r>
+              <a:rPr lang="en-US" sz="1800" dirty="0"/>
+              <a:t>It enables apps to obtain limited access (scopes) to a user’s data without giving away a user’s password.</a:t>
+            </a:r>
+          </a:p>
+          <a:p>
+            <a:pPr marL="685800" lvl="1"/>
+            <a:r>
+              <a:rPr lang="en-US" sz="1800" dirty="0"/>
+              <a:t>The identity provider is also an API provider, and the response from the identity provider is an access token that may grant the application ongoing access to some of the identity provider's APIs, on the user's behalf.</a:t>
+            </a:r>
+          </a:p>
+          <a:p>
+            <a:pPr marL="685800" lvl="1"/>
+            <a:r>
+              <a:rPr lang="en-US" sz="1800" dirty="0"/>
+              <a:t>Simplified signature, meaning that it does not need sorting and URL encoding.</a:t>
+            </a:r>
           </a:p>
         </p:txBody>
       </p:sp>
     </p:spTree>
     <p:extLst>
       <p:ext uri="{BB962C8B-B14F-4D97-AF65-F5344CB8AC3E}">
-        <p14:creationId xmlns:p14="http://schemas.microsoft.com/office/powerpoint/2010/main" val="3556771179"/>
+        <p14:creationId xmlns:p14="http://schemas.microsoft.com/office/powerpoint/2010/main" val="2786308360"/>
       </p:ext>
     </p:extLst>
   </p:cSld>
@@ -6893,26 +6738,50 @@
             </a:pPr>
             <a:r>
               <a:rPr lang="en-US" sz="2000" dirty="0"/>
-              <a:t>History of OAuth (1.0 versus 2.0)</a:t>
+              <a:t>End to end data flow of an OAuth API</a:t>
             </a:r>
           </a:p>
           <a:p>
             <a:pPr marL="685800" lvl="1"/>
             <a:r>
               <a:rPr lang="en-US" sz="1800" dirty="0"/>
-              <a:t>a</a:t>
+              <a:t>The first website connects to the second website on behalf of the user, using OAuth, providing the user’s verified identity.</a:t>
             </a:r>
           </a:p>
           <a:p>
             <a:pPr marL="685800" lvl="1"/>
-            <a:endParaRPr lang="en-US" sz="1800" dirty="0"/>
+            <a:r>
+              <a:rPr lang="en-US" sz="1800" dirty="0"/>
+              <a:t>The second site generates a one-time token and a one-time secret unique to the transaction and parties involved.</a:t>
+            </a:r>
+          </a:p>
+          <a:p>
+            <a:pPr marL="685800" lvl="1"/>
+            <a:r>
+              <a:rPr lang="en-US" sz="1800" dirty="0"/>
+              <a:t>The first site gives this token and secret to the initiating user’s client software.</a:t>
+            </a:r>
+          </a:p>
+          <a:p>
+            <a:pPr marL="685800" lvl="1"/>
+            <a:r>
+              <a:rPr lang="en-US" sz="1800" dirty="0"/>
+              <a:t>The client’s software presents the request token and secret to their authorization provider (which may or may not be the second site).</a:t>
+            </a:r>
+          </a:p>
+          <a:p>
+            <a:pPr marL="685800" lvl="1"/>
+            <a:r>
+              <a:rPr lang="en-US" sz="1800" dirty="0"/>
+              <a:t>If not already authenticated to the authorization provider, the client may be asked to authenticate. After authentication, the client is asked to approve the authorization transaction to the second website.</a:t>
+            </a:r>
           </a:p>
         </p:txBody>
       </p:sp>
     </p:spTree>
     <p:extLst>
       <p:ext uri="{BB962C8B-B14F-4D97-AF65-F5344CB8AC3E}">
-        <p14:creationId xmlns:p14="http://schemas.microsoft.com/office/powerpoint/2010/main" val="3263151713"/>
+        <p14:creationId xmlns:p14="http://schemas.microsoft.com/office/powerpoint/2010/main" val="2685712376"/>
       </p:ext>
     </p:extLst>
   </p:cSld>
@@ -7007,49 +6876,56 @@
             </a:pPr>
             <a:r>
               <a:rPr lang="en-US" sz="2000" dirty="0"/>
-              <a:t>Why is OAuth Popular</a:t>
+              <a:t>End to end data flow of an OAuth API</a:t>
             </a:r>
           </a:p>
           <a:p>
             <a:pPr marL="685800" lvl="1"/>
             <a:r>
               <a:rPr lang="en-US" sz="1800" dirty="0"/>
-              <a:t>One of the main reasons it because it is backed by Twitter, Google,  Facebook, and other major internet companies.</a:t>
+              <a:t>The user approves a particular transaction type at the first website.</a:t>
             </a:r>
           </a:p>
           <a:p>
             <a:pPr marL="685800" lvl="1"/>
             <a:r>
               <a:rPr lang="en-US" sz="1800" dirty="0"/>
-              <a:t>OAuth was created as a response to the direct authentication pattern.</a:t>
+              <a:t>The user is given an approved access token.</a:t>
             </a:r>
           </a:p>
           <a:p>
             <a:pPr marL="685800" lvl="1"/>
             <a:r>
               <a:rPr lang="en-US" sz="1800" dirty="0"/>
-              <a:t>It has the ease of usability coupled with improved security.</a:t>
+              <a:t>The user gives the approved access token to the first website.</a:t>
             </a:r>
           </a:p>
           <a:p>
             <a:pPr marL="685800" lvl="1"/>
             <a:r>
               <a:rPr lang="en-US" sz="1800" dirty="0"/>
-              <a:t>It enables apps to obtain limited access (scopes) to a user’s data without giving away a user’s password.</a:t>
+              <a:t>The first website gives the access token to the second website as proof of authentication on behalf of the user.</a:t>
             </a:r>
           </a:p>
           <a:p>
             <a:pPr marL="685800" lvl="1"/>
             <a:r>
               <a:rPr lang="en-US" sz="1800" dirty="0"/>
-              <a:t>The identity provider is also an API provider, and the response from the identity provider is an access token that may grant the application ongoing access to some of the identity provider's APIs, on the user's behalf.</a:t>
+              <a:t>The second website lets the first website access their site on behalf of the user.</a:t>
             </a:r>
           </a:p>
           <a:p>
             <a:pPr marL="685800" lvl="1"/>
             <a:r>
               <a:rPr lang="en-US" sz="1800" dirty="0"/>
-              <a:t>Simplified signature, meaning that it does not need sorting and URL encoding.</a:t>
+              <a:t>The user sees a successfully completed transaction occurring.</a:t>
+            </a:r>
+          </a:p>
+          <a:p>
+            <a:pPr marL="685800" lvl="1"/>
+            <a:r>
+              <a:rPr lang="en-US" sz="1800" dirty="0"/>
+              <a:t>OAuth is not the first authentication/authorization system to work this way on behalf of the end-user.</a:t>
             </a:r>
           </a:p>
         </p:txBody>
@@ -7057,7 +6933,7 @@
     </p:spTree>
     <p:extLst>
       <p:ext uri="{BB962C8B-B14F-4D97-AF65-F5344CB8AC3E}">
-        <p14:creationId xmlns:p14="http://schemas.microsoft.com/office/powerpoint/2010/main" val="2786308360"/>
+        <p14:creationId xmlns:p14="http://schemas.microsoft.com/office/powerpoint/2010/main" val="4277027092"/>
       </p:ext>
     </p:extLst>
   </p:cSld>
@@ -7114,7 +6990,7 @@
           <a:p>
             <a:r>
               <a:rPr lang="en-US" dirty="0"/>
-              <a:t>Open Authentication (OAuth)</a:t>
+              <a:t>References</a:t>
             </a:r>
           </a:p>
         </p:txBody>
@@ -7137,65 +7013,129 @@
         </p:nvSpPr>
         <p:spPr>
           <a:xfrm>
-            <a:off x="677334" y="1944546"/>
-            <a:ext cx="8596668" cy="4303853"/>
+            <a:off x="677333" y="1490871"/>
+            <a:ext cx="9492277" cy="4550492"/>
           </a:xfrm>
         </p:spPr>
         <p:txBody>
           <a:bodyPr>
-            <a:noAutofit/>
+            <a:normAutofit/>
           </a:bodyPr>
           <a:lstStyle/>
           <a:p>
-            <a:pPr marL="0" indent="0">
-              <a:buNone/>
-            </a:pPr>
-            <a:r>
-              <a:rPr lang="en-US" sz="2000" dirty="0"/>
-              <a:t>End to end data flow of an OAuth API</a:t>
-            </a:r>
-          </a:p>
-          <a:p>
-            <a:pPr marL="685800" lvl="1"/>
-            <a:r>
-              <a:rPr lang="en-US" sz="1800" dirty="0"/>
-              <a:t>The first website connects to the second website on behalf of the user, using OAuth, providing the user’s verified identity.</a:t>
-            </a:r>
-          </a:p>
-          <a:p>
-            <a:pPr marL="685800" lvl="1"/>
-            <a:r>
-              <a:rPr lang="en-US" sz="1800" dirty="0"/>
-              <a:t>The second site generates a one-time token and a one-time secret unique to the transaction and parties involved.</a:t>
-            </a:r>
-          </a:p>
-          <a:p>
-            <a:pPr marL="685800" lvl="1"/>
-            <a:r>
-              <a:rPr lang="en-US" sz="1800" dirty="0"/>
-              <a:t>The first site gives this token and secret to the initiating user’s client software.</a:t>
-            </a:r>
-          </a:p>
-          <a:p>
-            <a:pPr marL="685800" lvl="1"/>
-            <a:r>
-              <a:rPr lang="en-US" sz="1800" dirty="0"/>
-              <a:t>The client’s software presents the request token and secret to their authorization provider (which may or may not be the second site).</a:t>
-            </a:r>
-          </a:p>
-          <a:p>
-            <a:pPr marL="685800" lvl="1"/>
-            <a:r>
-              <a:rPr lang="en-US" sz="1800" dirty="0"/>
-              <a:t>If not already authenticated to the authorization provider, the client may be asked to authenticate. After authentication, the client is asked to approve the authorization transaction to the second website.</a:t>
-            </a:r>
+            <a:r>
+              <a:rPr lang="en-US" dirty="0"/>
+              <a:t>csoonline.com/article/3216404/what-is-oauth-how-the-open-authorization-framework-</a:t>
+            </a:r>
+            <a:r>
+              <a:rPr lang="en-US" dirty="0" err="1"/>
+              <a:t>works.html</a:t>
+            </a:r>
+            <a:endParaRPr lang="en-US" dirty="0"/>
+          </a:p>
+          <a:p>
+            <a:r>
+              <a:rPr lang="en-US" dirty="0" err="1"/>
+              <a:t>developer.okta.com</a:t>
+            </a:r>
+            <a:r>
+              <a:rPr lang="en-US" dirty="0"/>
+              <a:t>/blog/2017/06/21/what-the-heck-is-</a:t>
+            </a:r>
+            <a:r>
+              <a:rPr lang="en-US" dirty="0" err="1"/>
+              <a:t>oauth</a:t>
+            </a:r>
+            <a:endParaRPr lang="en-US" dirty="0"/>
+          </a:p>
+          <a:p>
+            <a:r>
+              <a:rPr lang="en-US" dirty="0" err="1"/>
+              <a:t>digitalocean.com</a:t>
+            </a:r>
+            <a:r>
+              <a:rPr lang="en-US" dirty="0"/>
+              <a:t>/community/tutorials/an-introduction-to-oauth-2</a:t>
+            </a:r>
+          </a:p>
+          <a:p>
+            <a:r>
+              <a:rPr lang="en-US" dirty="0" err="1"/>
+              <a:t>en.m.wikipedia.org</a:t>
+            </a:r>
+            <a:r>
+              <a:rPr lang="en-US" dirty="0"/>
+              <a:t>/wiki/OAuth</a:t>
+            </a:r>
+          </a:p>
+          <a:p>
+            <a:r>
+              <a:rPr lang="en-US" dirty="0" err="1"/>
+              <a:t>geeksforgeeks.org</a:t>
+            </a:r>
+            <a:r>
+              <a:rPr lang="en-US" dirty="0"/>
+              <a:t>/what-is-</a:t>
+            </a:r>
+            <a:r>
+              <a:rPr lang="en-US" dirty="0" err="1"/>
+              <a:t>oauth</a:t>
+            </a:r>
+            <a:r>
+              <a:rPr lang="en-US" dirty="0"/>
+              <a:t>-open-authorization/</a:t>
+            </a:r>
+          </a:p>
+          <a:p>
+            <a:r>
+              <a:rPr lang="en-US" dirty="0" err="1"/>
+              <a:t>hueniverse.com</a:t>
+            </a:r>
+            <a:r>
+              <a:rPr lang="en-US" dirty="0"/>
+              <a:t>/history-bcf7fcd9ee24</a:t>
+            </a:r>
+          </a:p>
+          <a:p>
+            <a:r>
+              <a:rPr lang="en-US" dirty="0" err="1"/>
+              <a:t>quora.com</a:t>
+            </a:r>
+            <a:r>
+              <a:rPr lang="en-US" dirty="0"/>
+              <a:t>/Why-is-OAuth-so-popular</a:t>
+            </a:r>
+          </a:p>
+          <a:p>
+            <a:r>
+              <a:rPr lang="en-US" dirty="0" err="1"/>
+              <a:t>varonis.com</a:t>
+            </a:r>
+            <a:r>
+              <a:rPr lang="en-US" dirty="0"/>
+              <a:t>/blog/what-is-</a:t>
+            </a:r>
+            <a:r>
+              <a:rPr lang="en-US" dirty="0" err="1"/>
+              <a:t>oauth</a:t>
+            </a:r>
+            <a:r>
+              <a:rPr lang="en-US" dirty="0"/>
+              <a:t>/</a:t>
+            </a:r>
+          </a:p>
+          <a:p>
+            <a:endParaRPr lang="en-US" dirty="0"/>
+          </a:p>
+          <a:p>
+            <a:endParaRPr lang="en-US" dirty="0"/>
           </a:p>
         </p:txBody>
       </p:sp>
     </p:spTree>
     <p:extLst>
       <p:ext uri="{BB962C8B-B14F-4D97-AF65-F5344CB8AC3E}">
-        <p14:creationId xmlns:p14="http://schemas.microsoft.com/office/powerpoint/2010/main" val="2685712376"/>
+        <p14:creationId xmlns:p14="http://schemas.microsoft.com/office/powerpoint/2010/main" val="3147850030"/>
       </p:ext>
     </p:extLst>
   </p:cSld>
